--- a/2024/Lec/Юнит 20 - Обнаружение аномалий.pptx
+++ b/2024/Lec/Юнит 20 - Обнаружение аномалий.pptx
@@ -291,7 +291,7 @@
           <a:p>
             <a:fld id="{A76E1671-358D-4BAB-9EB2-DC8D65251B89}" type="datetimeFigureOut">
               <a:rPr lang="en-US" smtClean="0"/>
-              <a:t>3/20/2024</a:t>
+              <a:t>4/18/2024</a:t>
             </a:fld>
             <a:endParaRPr lang="en-US"/>
           </a:p>
@@ -491,7 +491,7 @@
           <a:p>
             <a:fld id="{A76E1671-358D-4BAB-9EB2-DC8D65251B89}" type="datetimeFigureOut">
               <a:rPr lang="en-US" smtClean="0"/>
-              <a:t>3/20/2024</a:t>
+              <a:t>4/18/2024</a:t>
             </a:fld>
             <a:endParaRPr lang="en-US"/>
           </a:p>
@@ -701,7 +701,7 @@
           <a:p>
             <a:fld id="{A76E1671-358D-4BAB-9EB2-DC8D65251B89}" type="datetimeFigureOut">
               <a:rPr lang="en-US" smtClean="0"/>
-              <a:t>3/20/2024</a:t>
+              <a:t>4/18/2024</a:t>
             </a:fld>
             <a:endParaRPr lang="en-US"/>
           </a:p>
@@ -901,7 +901,7 @@
           <a:p>
             <a:fld id="{A76E1671-358D-4BAB-9EB2-DC8D65251B89}" type="datetimeFigureOut">
               <a:rPr lang="en-US" smtClean="0"/>
-              <a:t>3/20/2024</a:t>
+              <a:t>4/18/2024</a:t>
             </a:fld>
             <a:endParaRPr lang="en-US"/>
           </a:p>
@@ -1177,7 +1177,7 @@
           <a:p>
             <a:fld id="{A76E1671-358D-4BAB-9EB2-DC8D65251B89}" type="datetimeFigureOut">
               <a:rPr lang="en-US" smtClean="0"/>
-              <a:t>3/20/2024</a:t>
+              <a:t>4/18/2024</a:t>
             </a:fld>
             <a:endParaRPr lang="en-US"/>
           </a:p>
@@ -1445,7 +1445,7 @@
           <a:p>
             <a:fld id="{A76E1671-358D-4BAB-9EB2-DC8D65251B89}" type="datetimeFigureOut">
               <a:rPr lang="en-US" smtClean="0"/>
-              <a:t>3/20/2024</a:t>
+              <a:t>4/18/2024</a:t>
             </a:fld>
             <a:endParaRPr lang="en-US"/>
           </a:p>
@@ -1860,7 +1860,7 @@
           <a:p>
             <a:fld id="{A76E1671-358D-4BAB-9EB2-DC8D65251B89}" type="datetimeFigureOut">
               <a:rPr lang="en-US" smtClean="0"/>
-              <a:t>3/20/2024</a:t>
+              <a:t>4/18/2024</a:t>
             </a:fld>
             <a:endParaRPr lang="en-US"/>
           </a:p>
@@ -2002,7 +2002,7 @@
           <a:p>
             <a:fld id="{A76E1671-358D-4BAB-9EB2-DC8D65251B89}" type="datetimeFigureOut">
               <a:rPr lang="en-US" smtClean="0"/>
-              <a:t>3/20/2024</a:t>
+              <a:t>4/18/2024</a:t>
             </a:fld>
             <a:endParaRPr lang="en-US"/>
           </a:p>
@@ -2115,7 +2115,7 @@
           <a:p>
             <a:fld id="{A76E1671-358D-4BAB-9EB2-DC8D65251B89}" type="datetimeFigureOut">
               <a:rPr lang="en-US" smtClean="0"/>
-              <a:t>3/20/2024</a:t>
+              <a:t>4/18/2024</a:t>
             </a:fld>
             <a:endParaRPr lang="en-US"/>
           </a:p>
@@ -2428,7 +2428,7 @@
           <a:p>
             <a:fld id="{A76E1671-358D-4BAB-9EB2-DC8D65251B89}" type="datetimeFigureOut">
               <a:rPr lang="en-US" smtClean="0"/>
-              <a:t>3/20/2024</a:t>
+              <a:t>4/18/2024</a:t>
             </a:fld>
             <a:endParaRPr lang="en-US"/>
           </a:p>
@@ -2717,7 +2717,7 @@
           <a:p>
             <a:fld id="{A76E1671-358D-4BAB-9EB2-DC8D65251B89}" type="datetimeFigureOut">
               <a:rPr lang="en-US" smtClean="0"/>
-              <a:t>3/20/2024</a:t>
+              <a:t>4/18/2024</a:t>
             </a:fld>
             <a:endParaRPr lang="en-US"/>
           </a:p>
@@ -2960,7 +2960,7 @@
           <a:p>
             <a:fld id="{A76E1671-358D-4BAB-9EB2-DC8D65251B89}" type="datetimeFigureOut">
               <a:rPr lang="en-US" smtClean="0"/>
-              <a:t>3/20/2024</a:t>
+              <a:t>4/18/2024</a:t>
             </a:fld>
             <a:endParaRPr lang="en-US"/>
           </a:p>
@@ -3820,7 +3820,7 @@
         <p:spPr>
           <a:xfrm>
             <a:off x="6970457" y="1755774"/>
-            <a:ext cx="3966086" cy="954107"/>
+            <a:ext cx="5173852" cy="954107"/>
           </a:xfrm>
           <a:prstGeom prst="rect">
             <a:avLst/>
@@ -3837,12 +3837,28 @@
               <a:buChar char="•"/>
             </a:pPr>
             <a:r>
+              <a:rPr lang="en-US" sz="2800" dirty="0" err="1"/>
+              <a:t>Пример</a:t>
+            </a:r>
+            <a:r>
               <a:rPr lang="en-US" sz="2800" dirty="0"/>
-              <a:t>Пример </a:t>
+              <a:t> </a:t>
+            </a:r>
+            <a:r>
+              <a:rPr lang="en-US" sz="2800" dirty="0" err="1" smtClean="0"/>
+              <a:t>сезонность</a:t>
+            </a:r>
+            <a:r>
+              <a:rPr lang="ru-RU" sz="2800" dirty="0" smtClean="0"/>
+              <a:t> </a:t>
+            </a:r>
+            <a:r>
+              <a:rPr lang="ru-RU" sz="2800" dirty="0" smtClean="0"/>
+              <a:t>/паттерн</a:t>
             </a:r>
             <a:r>
               <a:rPr lang="en-US" sz="2800" dirty="0" smtClean="0"/>
-              <a:t>сезонность</a:t>
+              <a:t/>
             </a:r>
             <a:br>
               <a:rPr lang="en-US" sz="2800" dirty="0" smtClean="0"/>
@@ -4649,7 +4665,23 @@
             </a:br>
             <a:r>
               <a:rPr lang="en-US" sz="2200" dirty="0"/>
-              <a:t>- в серии есть один класс, помеченный как нормальный, и множество немаркированных данных,</a:t>
+              <a:t>- в серии есть один класс, помеченный как нормальный, и множество немаркированных </a:t>
+            </a:r>
+            <a:r>
+              <a:rPr lang="en-US" sz="2200" dirty="0" err="1"/>
+              <a:t>данных</a:t>
+            </a:r>
+            <a:r>
+              <a:rPr lang="en-US" sz="2200" dirty="0" smtClean="0"/>
+              <a:t>,</a:t>
+            </a:r>
+            <a:r>
+              <a:rPr lang="ru-RU" sz="2200" dirty="0" smtClean="0"/>
+              <a:t> в которых есть второй класс . Яркий пример – это появление новизны в данных.</a:t>
+            </a:r>
+            <a:r>
+              <a:rPr lang="en-US" sz="2200" dirty="0"/>
+              <a:t/>
             </a:r>
             <a:br>
               <a:rPr lang="en-US" sz="2200" dirty="0"/>
@@ -4702,46 +4734,50 @@
               <a:t> </a:t>
             </a:r>
             <a:r>
+              <a:rPr lang="en-US" sz="2200" dirty="0" err="1" smtClean="0"/>
+              <a:t>правил</a:t>
+            </a:r>
+            <a:r>
+              <a:rPr lang="ru-RU" sz="2200" dirty="0" smtClean="0"/>
+              <a:t>а</a:t>
+            </a:r>
+            <a:r>
+              <a:rPr lang="en-US" sz="2200" dirty="0" smtClean="0"/>
+              <a:t> </a:t>
+            </a:r>
+            <a:r>
+              <a:rPr lang="ru-RU" sz="2200" dirty="0" smtClean="0"/>
+              <a:t>отбора</a:t>
+            </a:r>
+            <a:r>
+              <a:rPr lang="en-US" sz="2200" dirty="0" smtClean="0"/>
+              <a:t>, </a:t>
+            </a:r>
+            <a:r>
+              <a:rPr lang="en-US" sz="2200" dirty="0" err="1" smtClean="0"/>
+              <a:t>котор</a:t>
+            </a:r>
+            <a:r>
+              <a:rPr lang="ru-RU" sz="2200" dirty="0" smtClean="0"/>
+              <a:t>ому</a:t>
+            </a:r>
+            <a:r>
+              <a:rPr lang="en-US" sz="2200" dirty="0" smtClean="0"/>
+              <a:t> </a:t>
+            </a:r>
+            <a:r>
+              <a:rPr lang="en-US" sz="2200" dirty="0"/>
+              <a:t>должны </a:t>
+            </a:r>
+            <a:r>
               <a:rPr lang="en-US" sz="2200" dirty="0" err="1"/>
-              <a:t>правило</a:t>
+              <a:t>удовлетворять</a:t>
             </a:r>
             <a:r>
               <a:rPr lang="en-US" sz="2200" dirty="0"/>
               <a:t> </a:t>
             </a:r>
             <a:r>
-              <a:rPr lang="ru-RU" sz="2200" dirty="0" smtClean="0"/>
-              <a:t>отбора</a:t>
-            </a:r>
-            <a:r>
-              <a:rPr lang="en-US" sz="2200" dirty="0" smtClean="0"/>
-              <a:t>, </a:t>
-            </a:r>
-            <a:r>
-              <a:rPr lang="en-US" sz="2200" dirty="0" err="1" smtClean="0"/>
-              <a:t>котор</a:t>
-            </a:r>
-            <a:r>
-              <a:rPr lang="ru-RU" sz="2200" dirty="0" smtClean="0"/>
-              <a:t>ому</a:t>
-            </a:r>
-            <a:r>
-              <a:rPr lang="en-US" sz="2200" dirty="0" smtClean="0"/>
-              <a:t> </a:t>
-            </a:r>
-            <a:r>
-              <a:rPr lang="en-US" sz="2200" dirty="0"/>
-              <a:t>должны </a:t>
-            </a:r>
-            <a:r>
-              <a:rPr lang="en-US" sz="2200" dirty="0" err="1"/>
-              <a:t>удовлетворять</a:t>
-            </a:r>
-            <a:r>
-              <a:rPr lang="en-US" sz="2200" dirty="0"/>
-              <a:t> </a:t>
-            </a:r>
-            <a:r>
               <a:rPr lang="en-US" sz="2200" dirty="0" err="1" smtClean="0"/>
               <a:t>нормальные</a:t>
             </a:r>
@@ -4754,9 +4790,18 @@
               <a:t>данные</a:t>
             </a:r>
             <a:r>
-              <a:rPr lang="en-US" sz="2200" dirty="0"/>
+              <a:rPr lang="en-US" sz="2200" dirty="0" smtClean="0"/>
               <a:t>.</a:t>
             </a:r>
+            <a:r>
+              <a:rPr lang="ru-RU" sz="2200" dirty="0" smtClean="0"/>
+              <a:t> Правила могут быть явными (интерпретируемые) или нет (на основе методов </a:t>
+            </a:r>
+            <a:r>
+              <a:rPr lang="en-US" sz="2200" dirty="0" smtClean="0"/>
+              <a:t>ml)</a:t>
+            </a:r>
+            <a:endParaRPr lang="en-US" sz="2200" dirty="0"/>
           </a:p>
           <a:p>
             <a:pPr algn="l" rtl="0"/>
@@ -5025,7 +5070,7 @@
 </file>
 
 <file path=ppt/slides/slide13.xml><?xml version="1.0" encoding="utf-8"?>
-<p:sld xmlns:a="http://schemas.openxmlformats.org/drawingml/2006/main" xmlns:r="http://schemas.openxmlformats.org/officeDocument/2006/relationships" xmlns:p="http://schemas.openxmlformats.org/presentationml/2006/main" show="0">
+<p:sld xmlns:a="http://schemas.openxmlformats.org/drawingml/2006/main" xmlns:r="http://schemas.openxmlformats.org/officeDocument/2006/relationships" xmlns:p="http://schemas.openxmlformats.org/presentationml/2006/main">
   <p:cSld>
     <p:spTree>
       <p:nvGrpSpPr>
@@ -5244,13 +5289,10 @@
               </a:spcBef>
             </a:pPr>
             <a:r>
-              <a:rPr lang="ru-RU" sz="2200" b="1" dirty="0"/>
-              <a:t>Обнаружение аномалий на основе ошибки прогноза </a:t>
-            </a:r>
-            <a:r>
-              <a:rPr lang="ru-RU" sz="2200" dirty="0"/>
-              <a:t> временного ряда (и ее отклонения).</a:t>
-            </a:r>
+              <a:rPr lang="ru-RU" sz="2200" b="1" dirty="0" smtClean="0"/>
+              <a:t>Статистические + явные правила </a:t>
+            </a:r>
+            <a:endParaRPr lang="en-US" sz="2200" b="1" dirty="0" smtClean="0"/>
           </a:p>
           <a:p>
             <a:pPr lvl="1">
@@ -5262,13 +5304,22 @@
               </a:spcBef>
             </a:pPr>
             <a:r>
+              <a:rPr lang="ru-RU" sz="2200" b="1" dirty="0" smtClean="0"/>
+              <a:t>Обнаружение </a:t>
+            </a:r>
+            <a:r>
               <a:rPr lang="ru-RU" sz="2200" b="1" dirty="0"/>
-              <a:t>Обнаружение аномалий на </a:t>
-            </a:r>
-            <a:r>
-              <a:rPr lang="ru-RU" sz="2200" b="1" dirty="0" smtClean="0"/>
-              <a:t>основе метрик</a:t>
-            </a:r>
+              <a:t>аномалий на основе ошибки прогноза </a:t>
+            </a:r>
+            <a:r>
+              <a:rPr lang="ru-RU" sz="2200" dirty="0"/>
+              <a:t> временного ряда (и ее отклонения</a:t>
+            </a:r>
+            <a:r>
+              <a:rPr lang="ru-RU" sz="2200" dirty="0" smtClean="0"/>
+              <a:t>). – то есть правила/статистика для ошибки предсказания ВР (часто строим модель ВР.</a:t>
+            </a:r>
+            <a:endParaRPr lang="ru-RU" sz="2200" dirty="0"/>
           </a:p>
           <a:p>
             <a:pPr lvl="1">
@@ -5280,13 +5331,98 @@
               </a:spcBef>
             </a:pPr>
             <a:r>
+              <a:rPr lang="ru-RU" sz="2200" b="1" dirty="0"/>
+              <a:t>Обнаружение аномалий на </a:t>
+            </a:r>
+            <a:r>
               <a:rPr lang="ru-RU" sz="2200" b="1" dirty="0" smtClean="0"/>
-              <a:t>Обнаружение аномалий на основе необычных форм (закономерностей, поведения)</a:t>
+              <a:t>основе </a:t>
+            </a:r>
+            <a:r>
+              <a:rPr lang="ru-RU" sz="2200" b="1" dirty="0" smtClean="0"/>
+              <a:t>метрик (метрические, изоляционный лес и дру</a:t>
+            </a:r>
+            <a:r>
+              <a:rPr lang="ru-RU" sz="2200" b="1" dirty="0" smtClean="0"/>
+              <a:t>гие</a:t>
+            </a:r>
+            <a:r>
+              <a:rPr lang="ru-RU" sz="2200" b="1" dirty="0" smtClean="0"/>
+              <a:t>)</a:t>
+            </a:r>
+            <a:endParaRPr lang="ru-RU" sz="2200" b="1" dirty="0" smtClean="0"/>
+          </a:p>
+          <a:p>
+            <a:pPr lvl="1">
+              <a:lnSpc>
+                <a:spcPct val="100000"/>
+              </a:lnSpc>
+              <a:spcBef>
+                <a:spcPts val="600"/>
+              </a:spcBef>
+            </a:pPr>
+            <a:r>
+              <a:rPr lang="ru-RU" sz="2200" b="1" dirty="0" smtClean="0"/>
+              <a:t>Обнаружение аномалий на </a:t>
+            </a:r>
+            <a:r>
+              <a:rPr lang="ru-RU" sz="2200" b="1" dirty="0" smtClean="0"/>
+              <a:t>основе реконструкции формы </a:t>
+            </a:r>
+            <a:r>
+              <a:rPr lang="ru-RU" sz="2200" b="1" dirty="0" smtClean="0"/>
+              <a:t>(закономерностей, поведения)</a:t>
             </a:r>
             <a:r>
               <a:rPr lang="ru-RU" sz="2200" dirty="0" smtClean="0"/>
-              <a:t>  временного ряда.</a:t>
-            </a:r>
+              <a:t>  временного ряда</a:t>
+            </a:r>
+            <a:r>
+              <a:rPr lang="ru-RU" sz="2200" dirty="0" smtClean="0"/>
+              <a:t>. (например сжатие - восстановление). При этом можно анализировать ошибку восстановления или сжатое пространство. Но саму задачу предсказания мы не решаем (модели не строим)</a:t>
+            </a:r>
+          </a:p>
+          <a:p>
+            <a:pPr lvl="1">
+              <a:lnSpc>
+                <a:spcPct val="100000"/>
+              </a:lnSpc>
+              <a:spcBef>
+                <a:spcPts val="600"/>
+              </a:spcBef>
+            </a:pPr>
+            <a:endParaRPr lang="ru-RU" sz="1200" dirty="0" smtClean="0"/>
+          </a:p>
+          <a:p>
+            <a:pPr marL="800100" lvl="1" indent="-342900">
+              <a:lnSpc>
+                <a:spcPct val="100000"/>
+              </a:lnSpc>
+              <a:spcBef>
+                <a:spcPts val="600"/>
+              </a:spcBef>
+            </a:pPr>
+            <a:r>
+              <a:rPr lang="ru-RU" sz="2600" i="1" dirty="0" smtClean="0"/>
+              <a:t>Отметим</a:t>
+            </a:r>
+            <a:r>
+              <a:rPr lang="ru-RU" sz="2600" i="1" dirty="0"/>
+              <a:t>,</a:t>
+            </a:r>
+            <a:r>
+              <a:rPr lang="ru-RU" sz="2600" dirty="0"/>
+              <a:t>  что поиск аномалии можно проводить как для полного временного ряда, так и по результатам его </a:t>
+            </a:r>
+            <a:r>
+              <a:rPr lang="ru-RU" sz="2600" b="1" dirty="0" smtClean="0"/>
+              <a:t>преобразования</a:t>
+            </a:r>
+            <a:r>
+              <a:rPr lang="ru-RU" sz="2600" dirty="0" smtClean="0"/>
+              <a:t>.</a:t>
+            </a:r>
+            <a:endParaRPr lang="ru-RU" sz="2600" dirty="0"/>
           </a:p>
           <a:p>
             <a:pPr marL="1257300" lvl="2" indent="-342900">
@@ -5298,38 +5434,7 @@
               </a:spcBef>
             </a:pPr>
             <a:r>
-              <a:rPr lang="ru-RU" sz="2200" i="1" dirty="0" smtClean="0"/>
-              <a:t>Отметим</a:t>
-            </a:r>
-            <a:r>
-              <a:rPr lang="ru-RU" sz="2200" i="1" dirty="0"/>
-              <a:t>,</a:t>
-            </a:r>
-            <a:r>
-              <a:rPr lang="ru-RU" sz="2200" dirty="0"/>
-              <a:t>  что поиск аномалии можно проводить как для полного временного ряда, так и по результатам его </a:t>
-            </a:r>
-            <a:r>
-              <a:rPr lang="ru-RU" sz="2200" b="1" dirty="0" smtClean="0"/>
-              <a:t>преобразования</a:t>
-            </a:r>
-            <a:r>
-              <a:rPr lang="ru-RU" sz="2200" dirty="0" smtClean="0"/>
-              <a:t>.</a:t>
-            </a:r>
-            <a:endParaRPr lang="ru-RU" sz="2200" dirty="0"/>
-          </a:p>
-          <a:p>
-            <a:pPr marL="1714500" lvl="3" indent="-342900">
-              <a:lnSpc>
-                <a:spcPct val="100000"/>
-              </a:lnSpc>
-              <a:spcBef>
-                <a:spcPts val="600"/>
-              </a:spcBef>
-            </a:pPr>
-            <a:r>
-              <a:rPr lang="ru-RU" sz="2200" dirty="0"/>
+              <a:rPr lang="ru-RU" sz="2400" dirty="0"/>
               <a:t>Пример поиска аномалии в остатках декомпозиции.</a:t>
             </a:r>
           </a:p>
@@ -5553,11 +5658,11 @@
   <p:clrMapOvr>
     <a:masterClrMapping/>
   </p:clrMapOvr>
-  <mc:AlternateContent xmlns:mc="http://schemas.openxmlformats.org/markup-compatibility/2006" xmlns:p14="http://schemas.microsoft.com/office/powerpoint/2010/main">
-    <mc:Choice Requires="p14">
+  <mc:AlternateContent xmlns:mc="http://schemas.openxmlformats.org/markup-compatibility/2006">
+    <mc:Choice xmlns:p14="http://schemas.microsoft.com/office/powerpoint/2010/main" Requires="p14">
       <p:transition spd="slow" p14:dur="2000"/>
     </mc:Choice>
-    <mc:Fallback xmlns="">
+    <mc:Fallback>
       <p:transition spd="slow"/>
     </mc:Fallback>
   </mc:AlternateContent>
@@ -10087,27 +10192,10 @@
             <a:pPr lvl="0"/>
             <a:r>
               <a:rPr lang="ru-RU" sz="2200" dirty="0"/>
-              <a:t>Таким образом, части (или сегменты) ряда аномалий должны существенно отличаться от остальных данных в статистическом смысле.</a:t>
-            </a:r>
-          </a:p>
-          <a:p>
-            <a:pPr algn="l" rtl="0" eaLnBrk="0" fontAlgn="base" hangingPunct="0">
-              <a:lnSpc>
-                <a:spcPct val="100000"/>
-              </a:lnSpc>
-              <a:spcBef>
-                <a:spcPct val="0"/>
-              </a:spcBef>
-              <a:spcAft>
-                <a:spcPct val="0"/>
-              </a:spcAft>
-            </a:pPr>
-            <a:r>
-              <a:rPr lang="ru-RU" altLang="ru-RU" sz="2000" dirty="0" smtClean="0">
-                <a:solidFill>
-                  <a:srgbClr val="000000"/>
-                </a:solidFill>
-              </a:rPr>
+              <a:t>Таким образом, части (или сегменты) ряда аномалий должны существенно отличаться от остальных данных в статистическом смысле</a:t>
+            </a:r>
+            <a:r>
+              <a:rPr lang="ru-RU" sz="2200" dirty="0" smtClean="0"/>
               <a:t>.</a:t>
             </a:r>
             <a:endParaRPr lang="ru-RU" altLang="ru-RU" sz="2000" dirty="0"/>
@@ -10174,8 +10262,8 @@
         </p:blipFill>
         <p:spPr>
           <a:xfrm>
-            <a:off x="838200" y="3112072"/>
-            <a:ext cx="8316156" cy="3999026"/>
+            <a:off x="1341690" y="3354186"/>
+            <a:ext cx="7812666" cy="3756911"/>
           </a:xfrm>
           <a:prstGeom prst="rect">
             <a:avLst/>
@@ -16816,12 +16904,92 @@
         </p:blipFill>
         <p:spPr>
           <a:xfrm>
-            <a:off x="680645" y="1806637"/>
-            <a:ext cx="10161061" cy="3553638"/>
-          </a:xfrm>
-          <a:prstGeom prst="rect">
-            <a:avLst/>
-          </a:prstGeom>
+            <a:off x="4996177" y="1657884"/>
+            <a:ext cx="6896661" cy="2411976"/>
+          </a:xfrm>
+          <a:prstGeom prst="rect">
+            <a:avLst/>
+          </a:prstGeom>
+        </p:spPr>
+      </p:pic>
+      <p:sp>
+        <p:nvSpPr>
+          <p:cNvPr id="6" name="AutoShape 2" descr="Anomaly detection using Isolation Forest and Local Outlier Factor | by  Lekha Priya | Medium"/>
+          <p:cNvSpPr>
+            <a:spLocks noChangeAspect="1" noChangeArrowheads="1"/>
+          </p:cNvSpPr>
+          <p:nvPr/>
+        </p:nvSpPr>
+        <p:spPr bwMode="auto">
+          <a:xfrm>
+            <a:off x="307975" y="7937"/>
+            <a:ext cx="304800" cy="304801"/>
+          </a:xfrm>
+          <a:prstGeom prst="rect">
+            <a:avLst/>
+          </a:prstGeom>
+          <a:noFill/>
+          <a:extLst>
+            <a:ext uri="{909E8E84-426E-40DD-AFC4-6F175D3DCCD1}">
+              <a14:hiddenFill xmlns:a14="http://schemas.microsoft.com/office/drawing/2010/main">
+                <a:solidFill>
+                  <a:srgbClr val="FFFFFF"/>
+                </a:solidFill>
+              </a14:hiddenFill>
+            </a:ext>
+          </a:extLst>
+        </p:spPr>
+        <p:txBody>
+          <a:bodyPr vert="horz" wrap="square" lIns="91440" tIns="45720" rIns="91440" bIns="45720" numCol="1" anchor="t" anchorCtr="0" compatLnSpc="1">
+            <a:prstTxWarp prst="textNoShape">
+              <a:avLst/>
+            </a:prstTxWarp>
+          </a:bodyPr>
+          <a:lstStyle/>
+          <a:p>
+            <a:endParaRPr lang="ru-RU"/>
+          </a:p>
+        </p:txBody>
+      </p:sp>
+      <p:pic>
+        <p:nvPicPr>
+          <p:cNvPr id="1028" name="Picture 4" descr="Isolation Forest: learned iForest construction for toy dataset | Download  Scientific Diagram"/>
+          <p:cNvPicPr>
+            <a:picLocks noChangeAspect="1" noChangeArrowheads="1"/>
+          </p:cNvPicPr>
+          <p:nvPr/>
+        </p:nvPicPr>
+        <p:blipFill>
+          <a:blip r:embed="rId3">
+            <a:extLst>
+              <a:ext uri="{28A0092B-C50C-407E-A947-70E740481C1C}">
+                <a14:useLocalDpi xmlns:a14="http://schemas.microsoft.com/office/drawing/2010/main" val="0"/>
+              </a:ext>
+            </a:extLst>
+          </a:blip>
+          <a:srcRect/>
+          <a:stretch>
+            <a:fillRect/>
+          </a:stretch>
+        </p:blipFill>
+        <p:spPr bwMode="auto">
+          <a:xfrm>
+            <a:off x="612775" y="2060916"/>
+            <a:ext cx="4125868" cy="2766759"/>
+          </a:xfrm>
+          <a:prstGeom prst="rect">
+            <a:avLst/>
+          </a:prstGeom>
+          <a:noFill/>
+          <a:extLst>
+            <a:ext uri="{909E8E84-426E-40DD-AFC4-6F175D3DCCD1}">
+              <a14:hiddenFill xmlns:a14="http://schemas.microsoft.com/office/drawing/2010/main">
+                <a:solidFill>
+                  <a:srgbClr val="FFFFFF"/>
+                </a:solidFill>
+              </a14:hiddenFill>
+            </a:ext>
+          </a:extLst>
         </p:spPr>
       </p:pic>
     </p:spTree>
@@ -17179,6 +17347,47 @@
           </a:prstGeom>
         </p:spPr>
       </p:pic>
+      <p:pic>
+        <p:nvPicPr>
+          <p:cNvPr id="2050" name="Picture 2" descr="Overview of one-class Support Vector Machine (SVM). | Download Scientific  Diagram"/>
+          <p:cNvPicPr>
+            <a:picLocks noChangeAspect="1" noChangeArrowheads="1"/>
+          </p:cNvPicPr>
+          <p:nvPr/>
+        </p:nvPicPr>
+        <p:blipFill>
+          <a:blip r:embed="rId3">
+            <a:extLst>
+              <a:ext uri="{28A0092B-C50C-407E-A947-70E740481C1C}">
+                <a14:useLocalDpi xmlns:a14="http://schemas.microsoft.com/office/drawing/2010/main" val="0"/>
+              </a:ext>
+            </a:extLst>
+          </a:blip>
+          <a:srcRect/>
+          <a:stretch>
+            <a:fillRect/>
+          </a:stretch>
+        </p:blipFill>
+        <p:spPr bwMode="auto">
+          <a:xfrm>
+            <a:off x="612775" y="4385208"/>
+            <a:ext cx="3975487" cy="2301876"/>
+          </a:xfrm>
+          <a:prstGeom prst="rect">
+            <a:avLst/>
+          </a:prstGeom>
+          <a:noFill/>
+          <a:extLst>
+            <a:ext uri="{909E8E84-426E-40DD-AFC4-6F175D3DCCD1}">
+              <a14:hiddenFill xmlns:a14="http://schemas.microsoft.com/office/drawing/2010/main">
+                <a:solidFill>
+                  <a:srgbClr val="FFFFFF"/>
+                </a:solidFill>
+              </a14:hiddenFill>
+            </a:ext>
+          </a:extLst>
+        </p:spPr>
+      </p:pic>
     </p:spTree>
     <p:extLst>
       <p:ext uri="{BB962C8B-B14F-4D97-AF65-F5344CB8AC3E}">
@@ -18784,19 +18993,16 @@
           <a:p>
             <a:pPr lvl="0"/>
             <a:r>
+              <a:rPr lang="ru-RU" sz="2200" b="1" dirty="0" smtClean="0"/>
+              <a:t>Причины</a:t>
+            </a:r>
+            <a:r>
+              <a:rPr lang="ru-RU" sz="2200" b="1" dirty="0" smtClean="0"/>
+              <a:t> </a:t>
+            </a:r>
+            <a:r>
               <a:rPr lang="ru-RU" sz="2200" b="1" dirty="0"/>
-              <a:t>В литературе</a:t>
-            </a:r>
-            <a:r>
-              <a:rPr lang="ru-RU" sz="2200" dirty="0"/>
-              <a:t> используются разные термины, которые имеют то же или похожее значение для определения аномалий. </a:t>
-            </a:r>
-          </a:p>
-          <a:p>
-            <a:pPr lvl="0"/>
-            <a:r>
-              <a:rPr lang="ru-RU" sz="2200" b="1" dirty="0"/>
-              <a:t>Типы аномалий в данных временных рядов</a:t>
+              <a:t>аномалий в данных временных рядов</a:t>
             </a:r>
             <a:endParaRPr lang="ru-RU" sz="2200" dirty="0"/>
           </a:p>
@@ -18808,8 +19014,39 @@
             </a:pPr>
             <a:r>
               <a:rPr lang="ru-RU" sz="2200" dirty="0"/>
-              <a:t>Обнаружение нерегулярных событий;</a:t>
-            </a:r>
+              <a:t>Обнаружение нерегулярных </a:t>
+            </a:r>
+            <a:r>
+              <a:rPr lang="ru-RU" sz="2200" dirty="0" smtClean="0"/>
+              <a:t>событий (которые могут закончится в историческом контексте) </a:t>
+            </a:r>
+          </a:p>
+          <a:p>
+            <a:pPr lvl="2">
+              <a:lnSpc>
+                <a:spcPct val="100000"/>
+              </a:lnSpc>
+            </a:pPr>
+            <a:r>
+              <a:rPr lang="ru-RU" sz="1800" dirty="0"/>
+              <a:t>Выявление локальных отклонений;</a:t>
+            </a:r>
+          </a:p>
+          <a:p>
+            <a:pPr lvl="2">
+              <a:lnSpc>
+                <a:spcPct val="100000"/>
+              </a:lnSpc>
+            </a:pPr>
+            <a:r>
+              <a:rPr lang="ru-RU" sz="1800" dirty="0"/>
+              <a:t>обнаружение глобальных выбросов</a:t>
+            </a:r>
+            <a:r>
+              <a:rPr lang="ru-RU" sz="1800" dirty="0" smtClean="0"/>
+              <a:t>;</a:t>
+            </a:r>
+            <a:endParaRPr lang="ru-RU" sz="1400" dirty="0"/>
           </a:p>
           <a:p>
             <a:pPr lvl="1">
@@ -18819,8 +19056,59 @@
             </a:pPr>
             <a:r>
               <a:rPr lang="ru-RU" sz="2200" dirty="0"/>
-              <a:t>Обнаружение новизны;</a:t>
-            </a:r>
+              <a:t>Обнаружение </a:t>
+            </a:r>
+            <a:r>
+              <a:rPr lang="ru-RU" sz="2200" dirty="0" smtClean="0"/>
+              <a:t>новизны (возникает как новое поведение в продолжительном и неизвестном </a:t>
+            </a:r>
+            <a:r>
+              <a:rPr lang="ru-RU" sz="2200" dirty="0"/>
+              <a:t>контексте), например </a:t>
+            </a:r>
+            <a:endParaRPr lang="ru-RU" sz="2200" dirty="0" smtClean="0"/>
+          </a:p>
+          <a:p>
+            <a:pPr lvl="2">
+              <a:lnSpc>
+                <a:spcPct val="100000"/>
+              </a:lnSpc>
+            </a:pPr>
+            <a:r>
+              <a:rPr lang="ru-RU" sz="1800" dirty="0" smtClean="0"/>
+              <a:t>точки </a:t>
+            </a:r>
+            <a:r>
+              <a:rPr lang="ru-RU" sz="1800" dirty="0"/>
+              <a:t>смены </a:t>
+            </a:r>
+            <a:r>
+              <a:rPr lang="ru-RU" sz="1800" dirty="0" smtClean="0"/>
+              <a:t>поведения, </a:t>
+            </a:r>
+          </a:p>
+          <a:p>
+            <a:pPr lvl="2">
+              <a:lnSpc>
+                <a:spcPct val="100000"/>
+              </a:lnSpc>
+            </a:pPr>
+            <a:r>
+              <a:rPr lang="ru-RU" sz="1800" dirty="0" smtClean="0"/>
+              <a:t>Точки перегиба, </a:t>
+            </a:r>
+          </a:p>
+          <a:p>
+            <a:pPr lvl="2">
+              <a:lnSpc>
+                <a:spcPct val="100000"/>
+              </a:lnSpc>
+            </a:pPr>
+            <a:r>
+              <a:rPr lang="ru-RU" sz="1800" dirty="0" smtClean="0"/>
+              <a:t>точек значительного влияния;</a:t>
+            </a:r>
+            <a:endParaRPr lang="ru-RU" sz="1800" dirty="0"/>
           </a:p>
           <a:p>
             <a:pPr lvl="1">
@@ -18829,8 +19117,23 @@
               </a:lnSpc>
             </a:pPr>
             <a:r>
+              <a:rPr lang="ru-RU" sz="2200" dirty="0" smtClean="0"/>
+              <a:t>Обнаружение </a:t>
+            </a:r>
+            <a:r>
+              <a:rPr lang="ru-RU" sz="2200" dirty="0" smtClean="0"/>
+              <a:t>неисправностей</a:t>
+            </a:r>
+            <a:br>
+              <a:rPr lang="ru-RU" sz="2200" dirty="0" smtClean="0"/>
+            </a:br>
+            <a:r>
+              <a:rPr lang="ru-RU" sz="2200" dirty="0" smtClean="0"/>
+              <a:t> </a:t>
+            </a:r>
+            <a:r>
               <a:rPr lang="ru-RU" sz="2200" dirty="0"/>
-              <a:t>Выявление отклонений;</a:t>
+              <a:t>(диагностика неисправностей);</a:t>
             </a:r>
           </a:p>
           <a:p>
@@ -18841,7 +19144,18 @@
             </a:pPr>
             <a:r>
               <a:rPr lang="ru-RU" sz="2200" dirty="0"/>
-              <a:t>обнаружение выбросов;</a:t>
+              <a:t>Обнаружение мошенничества </a:t>
+            </a:r>
+            <a:r>
+              <a:rPr lang="ru-RU" sz="2200" dirty="0" smtClean="0"/>
+              <a:t/>
+            </a:r>
+            <a:br>
+              <a:rPr lang="ru-RU" sz="2200" dirty="0" smtClean="0"/>
+            </a:br>
+            <a:r>
+              <a:rPr lang="ru-RU" sz="2200" dirty="0" smtClean="0"/>
+              <a:t>или злоупотреблений</a:t>
             </a:r>
           </a:p>
           <a:p>
@@ -18851,60 +19165,8 @@
               </a:lnSpc>
             </a:pPr>
             <a:r>
-              <a:rPr lang="ru-RU" sz="2200" dirty="0"/>
-              <a:t>Обнаружение точки смены поведения;</a:t>
-            </a:r>
-          </a:p>
-          <a:p>
-            <a:pPr lvl="1">
-              <a:lnSpc>
-                <a:spcPct val="100000"/>
-              </a:lnSpc>
-            </a:pPr>
-            <a:r>
-              <a:rPr lang="ru-RU" sz="2200" dirty="0"/>
-              <a:t>Обнаружение </a:t>
-            </a:r>
-            <a:r>
               <a:rPr lang="ru-RU" sz="2200" dirty="0" smtClean="0"/>
-              <a:t>неисправностей</a:t>
-            </a:r>
-            <a:br>
-              <a:rPr lang="ru-RU" sz="2200" dirty="0" smtClean="0"/>
-            </a:br>
-            <a:r>
-              <a:rPr lang="ru-RU" sz="2200" dirty="0" smtClean="0"/>
-              <a:t> </a:t>
-            </a:r>
-            <a:r>
-              <a:rPr lang="ru-RU" sz="2200" dirty="0"/>
-              <a:t>(диагностика неисправностей);</a:t>
-            </a:r>
-          </a:p>
-          <a:p>
-            <a:pPr lvl="1">
-              <a:lnSpc>
-                <a:spcPct val="100000"/>
-              </a:lnSpc>
-            </a:pPr>
-            <a:r>
-              <a:rPr lang="ru-RU" sz="2200" dirty="0"/>
-              <a:t>Обнаружение мошенничества </a:t>
-            </a:r>
-            <a:r>
-              <a:rPr lang="ru-RU" sz="2200" dirty="0" smtClean="0"/>
-              <a:t/>
-            </a:r>
-            <a:br>
-              <a:rPr lang="ru-RU" sz="2200" dirty="0" smtClean="0"/>
-            </a:br>
-            <a:r>
-              <a:rPr lang="ru-RU" sz="2200" dirty="0" smtClean="0"/>
-              <a:t>или </a:t>
-            </a:r>
-            <a:r>
-              <a:rPr lang="ru-RU" sz="2200" dirty="0"/>
-              <a:t>злоупотреблений</a:t>
+              <a:t>Появление новых признаков</a:t>
             </a:r>
             <a:endParaRPr lang="en-US" sz="2200" dirty="0"/>
           </a:p>
@@ -18966,8 +19228,8 @@
         </p:blipFill>
         <p:spPr>
           <a:xfrm>
-            <a:off x="6200953" y="2096369"/>
-            <a:ext cx="5254389" cy="4346130"/>
+            <a:off x="7083354" y="3196125"/>
+            <a:ext cx="4197095" cy="3471597"/>
           </a:xfrm>
           <a:prstGeom prst="rect">
             <a:avLst/>
@@ -19072,9 +19334,69 @@
             </a:r>
             <a:r>
               <a:rPr lang="en-US" dirty="0"/>
-              <a:t>в прогнозировании продаж.</a:t>
-            </a:r>
-            <a:endParaRPr lang="en-US" sz="2000" dirty="0"/>
+              <a:t>в прогнозировании </a:t>
+            </a:r>
+            <a:r>
+              <a:rPr lang="en-US" dirty="0" err="1"/>
+              <a:t>продаж</a:t>
+            </a:r>
+            <a:r>
+              <a:rPr lang="en-US" dirty="0" smtClean="0"/>
+              <a:t>.</a:t>
+            </a:r>
+            <a:endParaRPr lang="ru-RU" dirty="0" smtClean="0"/>
+          </a:p>
+          <a:p>
+            <a:pPr lvl="1"/>
+            <a:r>
+              <a:rPr lang="ru-RU" sz="1600" dirty="0" smtClean="0"/>
+              <a:t>То, что является аномалией в одном случае может не быть аномалией в другом случае</a:t>
+            </a:r>
+          </a:p>
+          <a:p>
+            <a:pPr lvl="2"/>
+            <a:r>
+              <a:rPr lang="ru-RU" sz="1200" dirty="0" smtClean="0"/>
+              <a:t>Вообще как правило аномалии отличаются от редких событий тем что они не регулярны, случайны по значению и месту появления.</a:t>
+            </a:r>
+          </a:p>
+          <a:p>
+            <a:pPr lvl="2"/>
+            <a:r>
+              <a:rPr lang="ru-RU" sz="1200" dirty="0" smtClean="0"/>
+              <a:t>В ином случае можно взять исторический период и проанализировать аномалии в нем как редкие но регулярные события – то есть сезонность.</a:t>
+            </a:r>
+          </a:p>
+          <a:p>
+            <a:pPr lvl="2"/>
+            <a:r>
+              <a:rPr lang="ru-RU" sz="1200" dirty="0" smtClean="0"/>
+              <a:t>С другой стороны важно понимать что с точки зрения модели редкие события более ошибочны – формально их можно Обработать как аномалии (убрать, про интерполировать и </a:t>
+            </a:r>
+            <a:r>
+              <a:rPr lang="ru-RU" sz="1200" dirty="0" err="1" smtClean="0"/>
+              <a:t>тд</a:t>
+            </a:r>
+            <a:r>
+              <a:rPr lang="ru-RU" sz="1200" dirty="0" smtClean="0"/>
+              <a:t>).</a:t>
+            </a:r>
+          </a:p>
+          <a:p>
+            <a:pPr lvl="2"/>
+            <a:r>
+              <a:rPr lang="ru-RU" sz="1200" dirty="0" smtClean="0"/>
+              <a:t>По мимо аномалий есть понятие их коревых причин. Важно понять причину аномалии </a:t>
+            </a:r>
+            <a:r>
+              <a:rPr lang="ru-RU" sz="1200" dirty="0" err="1" smtClean="0"/>
+              <a:t>пржде</a:t>
+            </a:r>
+            <a:r>
+              <a:rPr lang="ru-RU" sz="1200" dirty="0" smtClean="0"/>
+              <a:t> чем ее устранить. </a:t>
+            </a:r>
+            <a:endParaRPr lang="en-US" sz="1200" dirty="0"/>
           </a:p>
         </p:txBody>
       </p:sp>
@@ -19173,8 +19495,8 @@
         </p:blipFill>
         <p:spPr>
           <a:xfrm>
-            <a:off x="380889" y="1660228"/>
-            <a:ext cx="11185239" cy="4286047"/>
+            <a:off x="1871528" y="2910266"/>
+            <a:ext cx="9774085" cy="3745310"/>
           </a:xfrm>
           <a:prstGeom prst="rect">
             <a:avLst/>
@@ -19346,11 +19668,19 @@
             </a:r>
             <a:r>
               <a:rPr lang="en-US" sz="2200" dirty="0"/>
-              <a:t>общий диапазон значений</a:t>
+              <a:t>общий диапазон </a:t>
+            </a:r>
+            <a:r>
+              <a:rPr lang="en-US" sz="2200" dirty="0" err="1"/>
+              <a:t>значений</a:t>
             </a:r>
             <a:r>
               <a:rPr lang="en-US" sz="2200" dirty="0" smtClean="0"/>
               <a:t>.</a:t>
+            </a:r>
+            <a:r>
+              <a:rPr lang="ru-RU" sz="2200" dirty="0" smtClean="0"/>
+              <a:t> (также называют контекстуальные)</a:t>
             </a:r>
             <a:endParaRPr lang="en-US" sz="2200" dirty="0"/>
           </a:p>
@@ -19797,8 +20127,21 @@
             </a:r>
             <a:r>
               <a:rPr lang="ru-RU" altLang="ru-RU" sz="2200" dirty="0"/>
-              <a:t>связанных экземпляров данных (например, участок временного ряда) является аномальной по отношению к остальным данных.</a:t>
-            </a:r>
+              <a:t>связанных экземпляров данных (например, участок временного ряда) является аномальной по отношению к остальным данных</a:t>
+            </a:r>
+            <a:r>
+              <a:rPr lang="ru-RU" altLang="ru-RU" sz="2200" dirty="0" smtClean="0"/>
+              <a:t>. Такие аномалии могут быть в взаимосвязи данных а не данных как таковых (</a:t>
+            </a:r>
+            <a:r>
+              <a:rPr lang="ru-RU" altLang="ru-RU" sz="2200" dirty="0" err="1" smtClean="0"/>
+              <a:t>напр.волотильность</a:t>
+            </a:r>
+            <a:r>
+              <a:rPr lang="ru-RU" altLang="ru-RU" sz="2200" dirty="0" smtClean="0"/>
+              <a:t>)</a:t>
+            </a:r>
+            <a:endParaRPr lang="ru-RU" altLang="ru-RU" sz="2200" dirty="0"/>
           </a:p>
           <a:p>
             <a:pPr marL="0" lvl="0" indent="0" eaLnBrk="0" fontAlgn="base" hangingPunct="0">
@@ -20371,7 +20714,7 @@
             </a:r>
             <a:r>
               <a:rPr lang="ru-RU" sz="2200" b="1" dirty="0" smtClean="0"/>
-              <a:t>уровня</a:t>
+              <a:t>уровня или изменение тренда</a:t>
             </a:r>
             <a:r>
               <a:rPr lang="ru-RU" sz="2200" dirty="0" smtClean="0"/>
@@ -20398,7 +20741,7 @@
             </a:r>
             <a:r>
               <a:rPr lang="ru-RU" sz="2200" b="1" dirty="0" smtClean="0"/>
-              <a:t>огибающей</a:t>
+              <a:t>огибающей как циклической части</a:t>
             </a:r>
             <a:r>
               <a:rPr lang="ru-RU" sz="2200" dirty="0" smtClean="0"/>
@@ -20433,8 +20776,27 @@
             </a:r>
             <a:r>
               <a:rPr lang="ru-RU" sz="2200" dirty="0"/>
-              <a:t>  поведения.</a:t>
-            </a:r>
+              <a:t>  поведения</a:t>
+            </a:r>
+            <a:r>
+              <a:rPr lang="ru-RU" sz="2200" dirty="0" smtClean="0"/>
+              <a:t>.</a:t>
+            </a:r>
+          </a:p>
+          <a:p>
+            <a:pPr lvl="1">
+              <a:lnSpc>
+                <a:spcPct val="100000"/>
+              </a:lnSpc>
+              <a:spcBef>
+                <a:spcPts val="600"/>
+              </a:spcBef>
+            </a:pPr>
+            <a:r>
+              <a:rPr lang="ru-RU" sz="2200" b="1" dirty="0" smtClean="0"/>
+              <a:t>Изменение сезонности</a:t>
+            </a:r>
+            <a:endParaRPr lang="ru-RU" sz="2200" b="1" dirty="0"/>
           </a:p>
           <a:p>
             <a:pPr lvl="1">
